--- a/Presentations/Firebase Presentation.pptx
+++ b/Presentations/Firebase Presentation.pptx
@@ -5,11 +5,13 @@
     <p:sldMasterId id="2147483648" r:id="rId1"/>
   </p:sldMasterIdLst>
   <p:sldIdLst>
-    <p:sldId id="257" r:id="rId2"/>
-    <p:sldId id="260" r:id="rId3"/>
-    <p:sldId id="261" r:id="rId4"/>
-    <p:sldId id="262" r:id="rId5"/>
-    <p:sldId id="263" r:id="rId6"/>
+    <p:sldId id="264" r:id="rId2"/>
+    <p:sldId id="257" r:id="rId3"/>
+    <p:sldId id="260" r:id="rId4"/>
+    <p:sldId id="261" r:id="rId5"/>
+    <p:sldId id="262" r:id="rId6"/>
+    <p:sldId id="263" r:id="rId7"/>
+    <p:sldId id="265" r:id="rId8"/>
   </p:sldIdLst>
   <p:sldSz cx="12192000" cy="6858000"/>
   <p:notesSz cx="6858000" cy="9144000"/>
@@ -108,6 +110,11 @@
       </a:defRPr>
     </a:lvl9pPr>
   </p:defaultTextStyle>
+  <p:extLst>
+    <p:ext uri="{EFAFB233-063F-42B5-8137-9DF3F51BA10A}">
+      <p15:sldGuideLst xmlns:p15="http://schemas.microsoft.com/office/powerpoint/2012/main"/>
+    </p:ext>
+  </p:extLst>
 </p:presentation>
 </file>
 
@@ -258,7 +265,7 @@
           <a:p>
             <a:fld id="{CE20FD7D-A955-884A-B888-F98F7670DC55}" type="datetimeFigureOut">
               <a:rPr lang="en-US" smtClean="0"/>
-              <a:t>10/9/18</a:t>
+              <a:t>10/10/18</a:t>
             </a:fld>
             <a:endParaRPr lang="en-US"/>
           </a:p>
@@ -328,6 +335,18 @@
   <p:clrMapOvr>
     <a:masterClrMapping/>
   </p:clrMapOvr>
+  <mc:AlternateContent xmlns:mc="http://schemas.openxmlformats.org/markup-compatibility/2006">
+    <mc:Choice xmlns:p159="http://schemas.microsoft.com/office/powerpoint/2015/09/main" Requires="p159">
+      <p:transition xmlns:p14="http://schemas.microsoft.com/office/powerpoint/2010/main" spd="slow" p14:dur="2000">
+        <p159:morph option="byObject"/>
+      </p:transition>
+    </mc:Choice>
+    <mc:Fallback>
+      <p:transition spd="slow">
+        <p:fade/>
+      </p:transition>
+    </mc:Fallback>
+  </mc:AlternateContent>
 </p:sldLayout>
 </file>
 
@@ -456,7 +475,7 @@
           <a:p>
             <a:fld id="{CE20FD7D-A955-884A-B888-F98F7670DC55}" type="datetimeFigureOut">
               <a:rPr lang="en-US" smtClean="0"/>
-              <a:t>10/9/18</a:t>
+              <a:t>10/10/18</a:t>
             </a:fld>
             <a:endParaRPr lang="en-US"/>
           </a:p>
@@ -526,6 +545,18 @@
   <p:clrMapOvr>
     <a:masterClrMapping/>
   </p:clrMapOvr>
+  <mc:AlternateContent xmlns:mc="http://schemas.openxmlformats.org/markup-compatibility/2006">
+    <mc:Choice xmlns:p159="http://schemas.microsoft.com/office/powerpoint/2015/09/main" Requires="p159">
+      <p:transition xmlns:p14="http://schemas.microsoft.com/office/powerpoint/2010/main" spd="slow" p14:dur="2000">
+        <p159:morph option="byObject"/>
+      </p:transition>
+    </mc:Choice>
+    <mc:Fallback>
+      <p:transition spd="slow">
+        <p:fade/>
+      </p:transition>
+    </mc:Fallback>
+  </mc:AlternateContent>
 </p:sldLayout>
 </file>
 
@@ -664,7 +695,7 @@
           <a:p>
             <a:fld id="{CE20FD7D-A955-884A-B888-F98F7670DC55}" type="datetimeFigureOut">
               <a:rPr lang="en-US" smtClean="0"/>
-              <a:t>10/9/18</a:t>
+              <a:t>10/10/18</a:t>
             </a:fld>
             <a:endParaRPr lang="en-US"/>
           </a:p>
@@ -734,6 +765,18 @@
   <p:clrMapOvr>
     <a:masterClrMapping/>
   </p:clrMapOvr>
+  <mc:AlternateContent xmlns:mc="http://schemas.openxmlformats.org/markup-compatibility/2006">
+    <mc:Choice xmlns:p159="http://schemas.microsoft.com/office/powerpoint/2015/09/main" Requires="p159">
+      <p:transition xmlns:p14="http://schemas.microsoft.com/office/powerpoint/2010/main" spd="slow" p14:dur="2000">
+        <p159:morph option="byObject"/>
+      </p:transition>
+    </mc:Choice>
+    <mc:Fallback>
+      <p:transition spd="slow">
+        <p:fade/>
+      </p:transition>
+    </mc:Fallback>
+  </mc:AlternateContent>
 </p:sldLayout>
 </file>
 
@@ -862,7 +905,7 @@
           <a:p>
             <a:fld id="{CE20FD7D-A955-884A-B888-F98F7670DC55}" type="datetimeFigureOut">
               <a:rPr lang="en-US" smtClean="0"/>
-              <a:t>10/9/18</a:t>
+              <a:t>10/10/18</a:t>
             </a:fld>
             <a:endParaRPr lang="en-US"/>
           </a:p>
@@ -932,6 +975,18 @@
   <p:clrMapOvr>
     <a:masterClrMapping/>
   </p:clrMapOvr>
+  <mc:AlternateContent xmlns:mc="http://schemas.openxmlformats.org/markup-compatibility/2006">
+    <mc:Choice xmlns:p159="http://schemas.microsoft.com/office/powerpoint/2015/09/main" Requires="p159">
+      <p:transition xmlns:p14="http://schemas.microsoft.com/office/powerpoint/2010/main" spd="slow" p14:dur="2000">
+        <p159:morph option="byObject"/>
+      </p:transition>
+    </mc:Choice>
+    <mc:Fallback>
+      <p:transition spd="slow">
+        <p:fade/>
+      </p:transition>
+    </mc:Fallback>
+  </mc:AlternateContent>
 </p:sldLayout>
 </file>
 
@@ -1137,7 +1192,7 @@
           <a:p>
             <a:fld id="{CE20FD7D-A955-884A-B888-F98F7670DC55}" type="datetimeFigureOut">
               <a:rPr lang="en-US" smtClean="0"/>
-              <a:t>10/9/18</a:t>
+              <a:t>10/10/18</a:t>
             </a:fld>
             <a:endParaRPr lang="en-US"/>
           </a:p>
@@ -1207,6 +1262,18 @@
   <p:clrMapOvr>
     <a:masterClrMapping/>
   </p:clrMapOvr>
+  <mc:AlternateContent xmlns:mc="http://schemas.openxmlformats.org/markup-compatibility/2006">
+    <mc:Choice xmlns:p159="http://schemas.microsoft.com/office/powerpoint/2015/09/main" Requires="p159">
+      <p:transition xmlns:p14="http://schemas.microsoft.com/office/powerpoint/2010/main" spd="slow" p14:dur="2000">
+        <p159:morph option="byObject"/>
+      </p:transition>
+    </mc:Choice>
+    <mc:Fallback>
+      <p:transition spd="slow">
+        <p:fade/>
+      </p:transition>
+    </mc:Fallback>
+  </mc:AlternateContent>
 </p:sldLayout>
 </file>
 
@@ -1402,7 +1469,7 @@
           <a:p>
             <a:fld id="{CE20FD7D-A955-884A-B888-F98F7670DC55}" type="datetimeFigureOut">
               <a:rPr lang="en-US" smtClean="0"/>
-              <a:t>10/9/18</a:t>
+              <a:t>10/10/18</a:t>
             </a:fld>
             <a:endParaRPr lang="en-US"/>
           </a:p>
@@ -1472,6 +1539,18 @@
   <p:clrMapOvr>
     <a:masterClrMapping/>
   </p:clrMapOvr>
+  <mc:AlternateContent xmlns:mc="http://schemas.openxmlformats.org/markup-compatibility/2006">
+    <mc:Choice xmlns:p159="http://schemas.microsoft.com/office/powerpoint/2015/09/main" Requires="p159">
+      <p:transition xmlns:p14="http://schemas.microsoft.com/office/powerpoint/2010/main" spd="slow" p14:dur="2000">
+        <p159:morph option="byObject"/>
+      </p:transition>
+    </mc:Choice>
+    <mc:Fallback>
+      <p:transition spd="slow">
+        <p:fade/>
+      </p:transition>
+    </mc:Fallback>
+  </mc:AlternateContent>
 </p:sldLayout>
 </file>
 
@@ -1814,7 +1893,7 @@
           <a:p>
             <a:fld id="{CE20FD7D-A955-884A-B888-F98F7670DC55}" type="datetimeFigureOut">
               <a:rPr lang="en-US" smtClean="0"/>
-              <a:t>10/9/18</a:t>
+              <a:t>10/10/18</a:t>
             </a:fld>
             <a:endParaRPr lang="en-US"/>
           </a:p>
@@ -1884,6 +1963,18 @@
   <p:clrMapOvr>
     <a:masterClrMapping/>
   </p:clrMapOvr>
+  <mc:AlternateContent xmlns:mc="http://schemas.openxmlformats.org/markup-compatibility/2006">
+    <mc:Choice xmlns:p159="http://schemas.microsoft.com/office/powerpoint/2015/09/main" Requires="p159">
+      <p:transition xmlns:p14="http://schemas.microsoft.com/office/powerpoint/2010/main" spd="slow" p14:dur="2000">
+        <p159:morph option="byObject"/>
+      </p:transition>
+    </mc:Choice>
+    <mc:Fallback>
+      <p:transition spd="slow">
+        <p:fade/>
+      </p:transition>
+    </mc:Fallback>
+  </mc:AlternateContent>
 </p:sldLayout>
 </file>
 
@@ -1955,7 +2046,7 @@
           <a:p>
             <a:fld id="{CE20FD7D-A955-884A-B888-F98F7670DC55}" type="datetimeFigureOut">
               <a:rPr lang="en-US" smtClean="0"/>
-              <a:t>10/9/18</a:t>
+              <a:t>10/10/18</a:t>
             </a:fld>
             <a:endParaRPr lang="en-US"/>
           </a:p>
@@ -2025,6 +2116,18 @@
   <p:clrMapOvr>
     <a:masterClrMapping/>
   </p:clrMapOvr>
+  <mc:AlternateContent xmlns:mc="http://schemas.openxmlformats.org/markup-compatibility/2006">
+    <mc:Choice xmlns:p159="http://schemas.microsoft.com/office/powerpoint/2015/09/main" Requires="p159">
+      <p:transition xmlns:p14="http://schemas.microsoft.com/office/powerpoint/2010/main" spd="slow" p14:dur="2000">
+        <p159:morph option="byObject"/>
+      </p:transition>
+    </mc:Choice>
+    <mc:Fallback>
+      <p:transition spd="slow">
+        <p:fade/>
+      </p:transition>
+    </mc:Fallback>
+  </mc:AlternateContent>
 </p:sldLayout>
 </file>
 
@@ -2068,7 +2171,7 @@
           <a:p>
             <a:fld id="{CE20FD7D-A955-884A-B888-F98F7670DC55}" type="datetimeFigureOut">
               <a:rPr lang="en-US" smtClean="0"/>
-              <a:t>10/9/18</a:t>
+              <a:t>10/10/18</a:t>
             </a:fld>
             <a:endParaRPr lang="en-US"/>
           </a:p>
@@ -2138,6 +2241,18 @@
   <p:clrMapOvr>
     <a:masterClrMapping/>
   </p:clrMapOvr>
+  <mc:AlternateContent xmlns:mc="http://schemas.openxmlformats.org/markup-compatibility/2006">
+    <mc:Choice xmlns:p159="http://schemas.microsoft.com/office/powerpoint/2015/09/main" Requires="p159">
+      <p:transition xmlns:p14="http://schemas.microsoft.com/office/powerpoint/2010/main" spd="slow" p14:dur="2000">
+        <p159:morph option="byObject"/>
+      </p:transition>
+    </mc:Choice>
+    <mc:Fallback>
+      <p:transition spd="slow">
+        <p:fade/>
+      </p:transition>
+    </mc:Fallback>
+  </mc:AlternateContent>
 </p:sldLayout>
 </file>
 
@@ -2379,7 +2494,7 @@
           <a:p>
             <a:fld id="{CE20FD7D-A955-884A-B888-F98F7670DC55}" type="datetimeFigureOut">
               <a:rPr lang="en-US" smtClean="0"/>
-              <a:t>10/9/18</a:t>
+              <a:t>10/10/18</a:t>
             </a:fld>
             <a:endParaRPr lang="en-US"/>
           </a:p>
@@ -2449,6 +2564,18 @@
   <p:clrMapOvr>
     <a:masterClrMapping/>
   </p:clrMapOvr>
+  <mc:AlternateContent xmlns:mc="http://schemas.openxmlformats.org/markup-compatibility/2006">
+    <mc:Choice xmlns:p159="http://schemas.microsoft.com/office/powerpoint/2015/09/main" Requires="p159">
+      <p:transition xmlns:p14="http://schemas.microsoft.com/office/powerpoint/2010/main" spd="slow" p14:dur="2000">
+        <p159:morph option="byObject"/>
+      </p:transition>
+    </mc:Choice>
+    <mc:Fallback>
+      <p:transition spd="slow">
+        <p:fade/>
+      </p:transition>
+    </mc:Fallback>
+  </mc:AlternateContent>
 </p:sldLayout>
 </file>
 
@@ -2667,7 +2794,7 @@
           <a:p>
             <a:fld id="{CE20FD7D-A955-884A-B888-F98F7670DC55}" type="datetimeFigureOut">
               <a:rPr lang="en-US" smtClean="0"/>
-              <a:t>10/9/18</a:t>
+              <a:t>10/10/18</a:t>
             </a:fld>
             <a:endParaRPr lang="en-US"/>
           </a:p>
@@ -2737,6 +2864,18 @@
   <p:clrMapOvr>
     <a:masterClrMapping/>
   </p:clrMapOvr>
+  <mc:AlternateContent xmlns:mc="http://schemas.openxmlformats.org/markup-compatibility/2006">
+    <mc:Choice xmlns:p159="http://schemas.microsoft.com/office/powerpoint/2015/09/main" Requires="p159">
+      <p:transition xmlns:p14="http://schemas.microsoft.com/office/powerpoint/2010/main" spd="slow" p14:dur="2000">
+        <p159:morph option="byObject"/>
+      </p:transition>
+    </mc:Choice>
+    <mc:Fallback>
+      <p:transition spd="slow">
+        <p:fade/>
+      </p:transition>
+    </mc:Fallback>
+  </mc:AlternateContent>
 </p:sldLayout>
 </file>
 
@@ -2908,7 +3047,7 @@
           <a:p>
             <a:fld id="{CE20FD7D-A955-884A-B888-F98F7670DC55}" type="datetimeFigureOut">
               <a:rPr lang="en-US" smtClean="0"/>
-              <a:t>10/9/18</a:t>
+              <a:t>10/10/18</a:t>
             </a:fld>
             <a:endParaRPr lang="en-US"/>
           </a:p>
@@ -3025,6 +3164,18 @@
     <p:sldLayoutId id="2147483658" r:id="rId10"/>
     <p:sldLayoutId id="2147483659" r:id="rId11"/>
   </p:sldLayoutIdLst>
+  <mc:AlternateContent xmlns:mc="http://schemas.openxmlformats.org/markup-compatibility/2006">
+    <mc:Choice xmlns:p159="http://schemas.microsoft.com/office/powerpoint/2015/09/main" Requires="p159">
+      <p:transition xmlns:p14="http://schemas.microsoft.com/office/powerpoint/2010/main" spd="slow" p14:dur="2000">
+        <p159:morph option="byObject"/>
+      </p:transition>
+    </mc:Choice>
+    <mc:Fallback>
+      <p:transition spd="slow">
+        <p:fade/>
+      </p:transition>
+    </mc:Fallback>
+  </mc:AlternateContent>
   <p:txStyles>
     <p:titleStyle>
       <a:lvl1pPr algn="l" defTabSz="914400" rtl="0" eaLnBrk="1" latinLnBrk="0" hangingPunct="1">
@@ -3314,6 +3465,168 @@
     <p:bg>
       <p:bgPr>
         <a:solidFill>
+          <a:schemeClr val="bg1"/>
+        </a:solidFill>
+        <a:effectLst/>
+      </p:bgPr>
+    </p:bg>
+    <p:spTree>
+      <p:nvGrpSpPr>
+        <p:cNvPr id="1" name=""/>
+        <p:cNvGrpSpPr/>
+        <p:nvPr/>
+      </p:nvGrpSpPr>
+      <p:grpSpPr>
+        <a:xfrm>
+          <a:off x="0" y="0"/>
+          <a:ext cx="0" cy="0"/>
+          <a:chOff x="0" y="0"/>
+          <a:chExt cx="0" cy="0"/>
+        </a:xfrm>
+      </p:grpSpPr>
+      <p:cxnSp>
+        <p:nvCxnSpPr>
+          <p:cNvPr id="11" name="Straight Connector 8">
+            <a:extLst>
+              <a:ext uri="{FF2B5EF4-FFF2-40B4-BE49-F238E27FC236}">
+                <a16:creationId xmlns:a16="http://schemas.microsoft.com/office/drawing/2014/main" id="{22F6364A-B358-4BEE-B158-0734D2C938D4}"/>
+              </a:ext>
+              <a:ext uri="{C183D7F6-B498-43B3-948B-1728B52AA6E4}">
+                <adec:decorative xmlns:adec="http://schemas.microsoft.com/office/drawing/2017/decorative" val="1"/>
+              </a:ext>
+            </a:extLst>
+          </p:cNvPr>
+          <p:cNvCxnSpPr>
+            <a:cxnSpLocks noGrp="1" noRot="1" noChangeAspect="1" noMove="1" noResize="1" noEditPoints="1" noAdjustHandles="1" noChangeArrowheads="1" noChangeShapeType="1"/>
+          </p:cNvCxnSpPr>
+          <p:nvPr>
+            <p:extLst>
+              <p:ext uri="{386F3935-93C4-4BCD-93E2-E3B085C9AB24}">
+                <p16:designElem xmlns:p16="http://schemas.microsoft.com/office/powerpoint/2015/main" val="1"/>
+              </p:ext>
+            </p:extLst>
+          </p:nvPr>
+        </p:nvCxnSpPr>
+        <p:spPr>
+          <a:xfrm>
+            <a:off x="3738202" y="1570814"/>
+            <a:ext cx="0" cy="3710227"/>
+          </a:xfrm>
+          <a:prstGeom prst="line">
+            <a:avLst/>
+          </a:prstGeom>
+          <a:ln w="19050">
+            <a:solidFill>
+              <a:srgbClr val="FF9F06"/>
+            </a:solidFill>
+          </a:ln>
+        </p:spPr>
+        <p:style>
+          <a:lnRef idx="1">
+            <a:schemeClr val="accent1"/>
+          </a:lnRef>
+          <a:fillRef idx="0">
+            <a:schemeClr val="accent1"/>
+          </a:fillRef>
+          <a:effectRef idx="0">
+            <a:schemeClr val="accent1"/>
+          </a:effectRef>
+          <a:fontRef idx="minor">
+            <a:schemeClr val="tx1"/>
+          </a:fontRef>
+        </p:style>
+      </p:cxnSp>
+      <p:pic>
+        <p:nvPicPr>
+          <p:cNvPr id="4" name="Picture 3">
+            <a:extLst>
+              <a:ext uri="{FF2B5EF4-FFF2-40B4-BE49-F238E27FC236}">
+                <a16:creationId xmlns:a16="http://schemas.microsoft.com/office/drawing/2014/main" id="{6CD2D21B-8845-E641-B90C-2314C7D4EC4C}"/>
+              </a:ext>
+            </a:extLst>
+          </p:cNvPr>
+          <p:cNvPicPr>
+            <a:picLocks noChangeAspect="1"/>
+          </p:cNvPicPr>
+          <p:nvPr/>
+        </p:nvPicPr>
+        <p:blipFill>
+          <a:blip r:embed="rId2"/>
+          <a:stretch>
+            <a:fillRect/>
+          </a:stretch>
+        </p:blipFill>
+        <p:spPr>
+          <a:xfrm>
+            <a:off x="4061860" y="1861330"/>
+            <a:ext cx="7009396" cy="3129194"/>
+          </a:xfrm>
+          <a:prstGeom prst="rect">
+            <a:avLst/>
+          </a:prstGeom>
+        </p:spPr>
+      </p:pic>
+      <p:pic>
+        <p:nvPicPr>
+          <p:cNvPr id="6" name="Picture 5">
+            <a:extLst>
+              <a:ext uri="{FF2B5EF4-FFF2-40B4-BE49-F238E27FC236}">
+                <a16:creationId xmlns:a16="http://schemas.microsoft.com/office/drawing/2014/main" id="{C24519F1-4B5F-4A40-9459-1A6C4CB6F801}"/>
+              </a:ext>
+            </a:extLst>
+          </p:cNvPr>
+          <p:cNvPicPr>
+            <a:picLocks noChangeAspect="1"/>
+          </p:cNvPicPr>
+          <p:nvPr/>
+        </p:nvPicPr>
+        <p:blipFill>
+          <a:blip r:embed="rId3"/>
+          <a:stretch>
+            <a:fillRect/>
+          </a:stretch>
+        </p:blipFill>
+        <p:spPr>
+          <a:xfrm>
+            <a:off x="72852" y="2244370"/>
+            <a:ext cx="3503522" cy="2363114"/>
+          </a:xfrm>
+          <a:prstGeom prst="rect">
+            <a:avLst/>
+          </a:prstGeom>
+        </p:spPr>
+      </p:pic>
+    </p:spTree>
+    <p:extLst>
+      <p:ext uri="{BB962C8B-B14F-4D97-AF65-F5344CB8AC3E}">
+        <p14:creationId xmlns:p14="http://schemas.microsoft.com/office/powerpoint/2010/main" val="580638029"/>
+      </p:ext>
+    </p:extLst>
+  </p:cSld>
+  <p:clrMapOvr>
+    <a:masterClrMapping/>
+  </p:clrMapOvr>
+  <mc:AlternateContent xmlns:mc="http://schemas.openxmlformats.org/markup-compatibility/2006">
+    <mc:Choice xmlns:p159="http://schemas.microsoft.com/office/powerpoint/2015/09/main" Requires="p159">
+      <p:transition xmlns:p14="http://schemas.microsoft.com/office/powerpoint/2010/main" spd="slow" p14:dur="2000">
+        <p159:morph option="byObject"/>
+      </p:transition>
+    </mc:Choice>
+    <mc:Fallback>
+      <p:transition spd="slow">
+        <p:fade/>
+      </p:transition>
+    </mc:Fallback>
+  </mc:AlternateContent>
+</p:sld>
+</file>
+
+<file path=ppt/slides/slide2.xml><?xml version="1.0" encoding="utf-8"?>
+<p:sld xmlns:a="http://schemas.openxmlformats.org/drawingml/2006/main" xmlns:r="http://schemas.openxmlformats.org/officeDocument/2006/relationships" xmlns:p="http://schemas.openxmlformats.org/presentationml/2006/main">
+  <p:cSld>
+    <p:bg>
+      <p:bgPr>
+        <a:solidFill>
           <a:schemeClr val="bg1">
             <a:tint val="95000"/>
             <a:satMod val="170000"/>
@@ -3859,10 +4172,22 @@
   <p:clrMapOvr>
     <a:overrideClrMapping bg1="dk1" tx1="lt1" bg2="dk2" tx2="lt2" accent1="accent1" accent2="accent2" accent3="accent3" accent4="accent4" accent5="accent5" accent6="accent6" hlink="hlink" folHlink="folHlink"/>
   </p:clrMapOvr>
+  <mc:AlternateContent xmlns:mc="http://schemas.openxmlformats.org/markup-compatibility/2006">
+    <mc:Choice xmlns:p159="http://schemas.microsoft.com/office/powerpoint/2015/09/main" Requires="p159">
+      <p:transition xmlns:p14="http://schemas.microsoft.com/office/powerpoint/2010/main" spd="slow" p14:dur="2000">
+        <p159:morph option="byObject"/>
+      </p:transition>
+    </mc:Choice>
+    <mc:Fallback>
+      <p:transition spd="slow">
+        <p:fade/>
+      </p:transition>
+    </mc:Fallback>
+  </mc:AlternateContent>
 </p:sld>
 </file>
 
-<file path=ppt/slides/slide2.xml><?xml version="1.0" encoding="utf-8"?>
+<file path=ppt/slides/slide3.xml><?xml version="1.0" encoding="utf-8"?>
 <p:sld xmlns:a="http://schemas.openxmlformats.org/drawingml/2006/main" xmlns:r="http://schemas.openxmlformats.org/officeDocument/2006/relationships" xmlns:p="http://schemas.openxmlformats.org/presentationml/2006/main">
   <p:cSld>
     <p:bg>
@@ -4454,10 +4779,22 @@
   <p:clrMapOvr>
     <a:overrideClrMapping bg1="dk1" tx1="lt1" bg2="dk2" tx2="lt2" accent1="accent1" accent2="accent2" accent3="accent3" accent4="accent4" accent5="accent5" accent6="accent6" hlink="hlink" folHlink="folHlink"/>
   </p:clrMapOvr>
+  <mc:AlternateContent xmlns:mc="http://schemas.openxmlformats.org/markup-compatibility/2006">
+    <mc:Choice xmlns:p159="http://schemas.microsoft.com/office/powerpoint/2015/09/main" Requires="p159">
+      <p:transition xmlns:p14="http://schemas.microsoft.com/office/powerpoint/2010/main" spd="slow" p14:dur="2000">
+        <p159:morph option="byObject"/>
+      </p:transition>
+    </mc:Choice>
+    <mc:Fallback>
+      <p:transition spd="slow">
+        <p:fade/>
+      </p:transition>
+    </mc:Fallback>
+  </mc:AlternateContent>
 </p:sld>
 </file>
 
-<file path=ppt/slides/slide3.xml><?xml version="1.0" encoding="utf-8"?>
+<file path=ppt/slides/slide4.xml><?xml version="1.0" encoding="utf-8"?>
 <p:sld xmlns:a="http://schemas.openxmlformats.org/drawingml/2006/main" xmlns:r="http://schemas.openxmlformats.org/officeDocument/2006/relationships" xmlns:p="http://schemas.openxmlformats.org/presentationml/2006/main">
   <p:cSld>
     <p:bg>
@@ -5040,10 +5377,22 @@
   <p:clrMapOvr>
     <a:overrideClrMapping bg1="dk1" tx1="lt1" bg2="dk2" tx2="lt2" accent1="accent1" accent2="accent2" accent3="accent3" accent4="accent4" accent5="accent5" accent6="accent6" hlink="hlink" folHlink="folHlink"/>
   </p:clrMapOvr>
+  <mc:AlternateContent xmlns:mc="http://schemas.openxmlformats.org/markup-compatibility/2006">
+    <mc:Choice xmlns:p159="http://schemas.microsoft.com/office/powerpoint/2015/09/main" Requires="p159">
+      <p:transition xmlns:p14="http://schemas.microsoft.com/office/powerpoint/2010/main" spd="slow" p14:dur="2000">
+        <p159:morph option="byObject"/>
+      </p:transition>
+    </mc:Choice>
+    <mc:Fallback>
+      <p:transition spd="slow">
+        <p:fade/>
+      </p:transition>
+    </mc:Fallback>
+  </mc:AlternateContent>
 </p:sld>
 </file>
 
-<file path=ppt/slides/slide4.xml><?xml version="1.0" encoding="utf-8"?>
+<file path=ppt/slides/slide5.xml><?xml version="1.0" encoding="utf-8"?>
 <p:sld xmlns:a="http://schemas.openxmlformats.org/drawingml/2006/main" xmlns:r="http://schemas.openxmlformats.org/officeDocument/2006/relationships" xmlns:p="http://schemas.openxmlformats.org/presentationml/2006/main">
   <p:cSld>
     <p:bg>
@@ -5632,10 +5981,22 @@
   <p:clrMapOvr>
     <a:overrideClrMapping bg1="dk1" tx1="lt1" bg2="dk2" tx2="lt2" accent1="accent1" accent2="accent2" accent3="accent3" accent4="accent4" accent5="accent5" accent6="accent6" hlink="hlink" folHlink="folHlink"/>
   </p:clrMapOvr>
+  <mc:AlternateContent xmlns:mc="http://schemas.openxmlformats.org/markup-compatibility/2006">
+    <mc:Choice xmlns:p159="http://schemas.microsoft.com/office/powerpoint/2015/09/main" Requires="p159">
+      <p:transition xmlns:p14="http://schemas.microsoft.com/office/powerpoint/2010/main" spd="slow" p14:dur="2000">
+        <p159:morph option="byObject"/>
+      </p:transition>
+    </mc:Choice>
+    <mc:Fallback>
+      <p:transition spd="slow">
+        <p:fade/>
+      </p:transition>
+    </mc:Fallback>
+  </mc:AlternateContent>
 </p:sld>
 </file>
 
-<file path=ppt/slides/slide5.xml><?xml version="1.0" encoding="utf-8"?>
+<file path=ppt/slides/slide6.xml><?xml version="1.0" encoding="utf-8"?>
 <p:sld xmlns:a="http://schemas.openxmlformats.org/drawingml/2006/main" xmlns:r="http://schemas.openxmlformats.org/officeDocument/2006/relationships" xmlns:p="http://schemas.openxmlformats.org/presentationml/2006/main">
   <p:cSld>
     <p:bg>
@@ -6237,6 +6598,655 @@
   <p:clrMapOvr>
     <a:overrideClrMapping bg1="dk1" tx1="lt1" bg2="dk2" tx2="lt2" accent1="accent1" accent2="accent2" accent3="accent3" accent4="accent4" accent5="accent5" accent6="accent6" hlink="hlink" folHlink="folHlink"/>
   </p:clrMapOvr>
+  <mc:AlternateContent xmlns:mc="http://schemas.openxmlformats.org/markup-compatibility/2006">
+    <mc:Choice xmlns:p159="http://schemas.microsoft.com/office/powerpoint/2015/09/main" Requires="p159">
+      <p:transition xmlns:p14="http://schemas.microsoft.com/office/powerpoint/2010/main" spd="slow" p14:dur="2000">
+        <p159:morph option="byObject"/>
+      </p:transition>
+    </mc:Choice>
+    <mc:Fallback>
+      <p:transition spd="slow">
+        <p:fade/>
+      </p:transition>
+    </mc:Fallback>
+  </mc:AlternateContent>
+</p:sld>
+</file>
+
+<file path=ppt/slides/slide7.xml><?xml version="1.0" encoding="utf-8"?>
+<p:sld xmlns:a="http://schemas.openxmlformats.org/drawingml/2006/main" xmlns:r="http://schemas.openxmlformats.org/officeDocument/2006/relationships" xmlns:p="http://schemas.openxmlformats.org/presentationml/2006/main">
+  <p:cSld>
+    <p:bg>
+      <p:bgPr>
+        <a:solidFill>
+          <a:schemeClr val="bg1">
+            <a:tint val="95000"/>
+            <a:satMod val="170000"/>
+          </a:schemeClr>
+        </a:solidFill>
+        <a:effectLst/>
+      </p:bgPr>
+    </p:bg>
+    <p:spTree>
+      <p:nvGrpSpPr>
+        <p:cNvPr id="1" name=""/>
+        <p:cNvGrpSpPr/>
+        <p:nvPr/>
+      </p:nvGrpSpPr>
+      <p:grpSpPr>
+        <a:xfrm>
+          <a:off x="0" y="0"/>
+          <a:ext cx="0" cy="0"/>
+          <a:chOff x="0" y="0"/>
+          <a:chExt cx="0" cy="0"/>
+        </a:xfrm>
+      </p:grpSpPr>
+      <p:sp>
+        <p:nvSpPr>
+          <p:cNvPr id="2" name="Title 1">
+            <a:extLst>
+              <a:ext uri="{FF2B5EF4-FFF2-40B4-BE49-F238E27FC236}">
+                <a16:creationId xmlns:a16="http://schemas.microsoft.com/office/drawing/2014/main" id="{89B1CCF0-9ED3-5940-8C51-4DEB5C014FA7}"/>
+              </a:ext>
+            </a:extLst>
+          </p:cNvPr>
+          <p:cNvSpPr>
+            <a:spLocks noGrp="1"/>
+          </p:cNvSpPr>
+          <p:nvPr>
+            <p:ph type="title"/>
+          </p:nvPr>
+        </p:nvSpPr>
+        <p:spPr>
+          <a:xfrm>
+            <a:off x="762001" y="803325"/>
+            <a:ext cx="5314536" cy="1325563"/>
+          </a:xfrm>
+        </p:spPr>
+        <p:txBody>
+          <a:bodyPr>
+            <a:normAutofit/>
+          </a:bodyPr>
+          <a:lstStyle/>
+          <a:p>
+            <a:r>
+              <a:rPr lang="en-US" dirty="0"/>
+              <a:t>Any Questions?</a:t>
+            </a:r>
+          </a:p>
+        </p:txBody>
+      </p:sp>
+      <p:sp>
+        <p:nvSpPr>
+          <p:cNvPr id="15" name="Content Placeholder 8">
+            <a:extLst>
+              <a:ext uri="{FF2B5EF4-FFF2-40B4-BE49-F238E27FC236}">
+                <a16:creationId xmlns:a16="http://schemas.microsoft.com/office/drawing/2014/main" id="{C3CEDF56-E97E-499F-AE51-BB23FDC75585}"/>
+              </a:ext>
+            </a:extLst>
+          </p:cNvPr>
+          <p:cNvSpPr>
+            <a:spLocks noGrp="1"/>
+          </p:cNvSpPr>
+          <p:nvPr>
+            <p:ph idx="1"/>
+          </p:nvPr>
+        </p:nvSpPr>
+        <p:spPr>
+          <a:xfrm>
+            <a:off x="762000" y="2279018"/>
+            <a:ext cx="5314543" cy="3375920"/>
+          </a:xfrm>
+        </p:spPr>
+        <p:txBody>
+          <a:bodyPr anchor="t">
+            <a:normAutofit/>
+          </a:bodyPr>
+          <a:lstStyle/>
+          <a:p>
+            <a:pPr marL="0" indent="0">
+              <a:buNone/>
+            </a:pPr>
+            <a:r>
+              <a:rPr lang="en-US" dirty="0"/>
+              <a:t>Contact Details</a:t>
+            </a:r>
+          </a:p>
+          <a:p>
+            <a:pPr marL="0" indent="0">
+              <a:buNone/>
+            </a:pPr>
+            <a:r>
+              <a:rPr lang="en-US" sz="1800" dirty="0"/>
+              <a:t>James Wood (S192019)</a:t>
+            </a:r>
+          </a:p>
+          <a:p>
+            <a:pPr marL="0" indent="0">
+              <a:buNone/>
+            </a:pPr>
+            <a:r>
+              <a:rPr lang="en-US" sz="1800" dirty="0">
+                <a:hlinkClick r:id="rId2">
+                  <a:extLst>
+                    <a:ext uri="{A12FA001-AC4F-418D-AE19-62706E023703}">
+                      <ahyp:hlinkClr xmlns:ahyp="http://schemas.microsoft.com/office/drawing/2018/hyperlinkcolor" val="tx"/>
+                    </a:ext>
+                  </a:extLst>
+                </a:hlinkClick>
+              </a:rPr>
+              <a:t>j.wood4@uos.ac.uk</a:t>
+            </a:r>
+            <a:endParaRPr lang="en-US" sz="1800" dirty="0"/>
+          </a:p>
+          <a:p>
+            <a:pPr marL="0" indent="0">
+              <a:buNone/>
+            </a:pPr>
+            <a:r>
+              <a:rPr lang="en-US" sz="1800" dirty="0"/>
+              <a:t>07528187021</a:t>
+            </a:r>
+          </a:p>
+          <a:p>
+            <a:pPr marL="0" indent="0">
+              <a:buNone/>
+            </a:pPr>
+            <a:endParaRPr lang="en-US" sz="1800" dirty="0"/>
+          </a:p>
+          <a:p>
+            <a:pPr marL="0" indent="0">
+              <a:buNone/>
+            </a:pPr>
+            <a:endParaRPr lang="en-US" sz="1800" dirty="0"/>
+          </a:p>
+          <a:p>
+            <a:pPr marL="0" indent="0">
+              <a:buNone/>
+            </a:pPr>
+            <a:endParaRPr lang="en-US" sz="1800" dirty="0"/>
+          </a:p>
+          <a:p>
+            <a:endParaRPr lang="en-US" sz="1800" dirty="0"/>
+          </a:p>
+        </p:txBody>
+      </p:sp>
+      <p:sp>
+        <p:nvSpPr>
+          <p:cNvPr id="12" name="Freeform: Shape 11">
+            <a:extLst>
+              <a:ext uri="{FF2B5EF4-FFF2-40B4-BE49-F238E27FC236}">
+                <a16:creationId xmlns:a16="http://schemas.microsoft.com/office/drawing/2014/main" id="{CF62D2A7-8207-488C-9F46-316BA81A16C8}"/>
+              </a:ext>
+              <a:ext uri="{C183D7F6-B498-43B3-948B-1728B52AA6E4}">
+                <adec:decorative xmlns:adec="http://schemas.microsoft.com/office/drawing/2017/decorative" val="1"/>
+              </a:ext>
+            </a:extLst>
+          </p:cNvPr>
+          <p:cNvSpPr>
+            <a:spLocks noGrp="1" noRot="1" noChangeAspect="1" noMove="1" noResize="1" noEditPoints="1" noAdjustHandles="1" noChangeArrowheads="1" noChangeShapeType="1" noTextEdit="1"/>
+          </p:cNvSpPr>
+          <p:nvPr>
+            <p:extLst>
+              <p:ext uri="{386F3935-93C4-4BCD-93E2-E3B085C9AB24}">
+                <p16:designElem xmlns:p16="http://schemas.microsoft.com/office/powerpoint/2015/main" val="1"/>
+              </p:ext>
+            </p:extLst>
+          </p:nvPr>
+        </p:nvSpPr>
+        <p:spPr>
+          <a:xfrm flipH="1">
+            <a:off x="6582780" y="-2008"/>
+            <a:ext cx="5609220" cy="5840278"/>
+          </a:xfrm>
+          <a:custGeom>
+            <a:avLst/>
+            <a:gdLst>
+              <a:gd name="connsiteX0" fmla="*/ 0 w 5609220"/>
+              <a:gd name="connsiteY0" fmla="*/ 0 h 5840278"/>
+              <a:gd name="connsiteX1" fmla="*/ 4637091 w 5609220"/>
+              <a:gd name="connsiteY1" fmla="*/ 0 h 5840278"/>
+              <a:gd name="connsiteX2" fmla="*/ 4822569 w 5609220"/>
+              <a:gd name="connsiteY2" fmla="*/ 204077 h 5840278"/>
+              <a:gd name="connsiteX3" fmla="*/ 5609220 w 5609220"/>
+              <a:gd name="connsiteY3" fmla="*/ 2395363 h 5840278"/>
+              <a:gd name="connsiteX4" fmla="*/ 2164305 w 5609220"/>
+              <a:gd name="connsiteY4" fmla="*/ 5840278 h 5840278"/>
+              <a:gd name="connsiteX5" fmla="*/ 238220 w 5609220"/>
+              <a:gd name="connsiteY5" fmla="*/ 5251941 h 5840278"/>
+              <a:gd name="connsiteX6" fmla="*/ 0 w 5609220"/>
+              <a:gd name="connsiteY6" fmla="*/ 5073803 h 5840278"/>
+            </a:gdLst>
+            <a:ahLst/>
+            <a:cxnLst>
+              <a:cxn ang="0">
+                <a:pos x="connsiteX0" y="connsiteY0"/>
+              </a:cxn>
+              <a:cxn ang="0">
+                <a:pos x="connsiteX1" y="connsiteY1"/>
+              </a:cxn>
+              <a:cxn ang="0">
+                <a:pos x="connsiteX2" y="connsiteY2"/>
+              </a:cxn>
+              <a:cxn ang="0">
+                <a:pos x="connsiteX3" y="connsiteY3"/>
+              </a:cxn>
+              <a:cxn ang="0">
+                <a:pos x="connsiteX4" y="connsiteY4"/>
+              </a:cxn>
+              <a:cxn ang="0">
+                <a:pos x="connsiteX5" y="connsiteY5"/>
+              </a:cxn>
+              <a:cxn ang="0">
+                <a:pos x="connsiteX6" y="connsiteY6"/>
+              </a:cxn>
+            </a:cxnLst>
+            <a:rect l="l" t="t" r="r" b="b"/>
+            <a:pathLst>
+              <a:path w="5609220" h="5840278">
+                <a:moveTo>
+                  <a:pt x="0" y="0"/>
+                </a:moveTo>
+                <a:lnTo>
+                  <a:pt x="4637091" y="0"/>
+                </a:lnTo>
+                <a:lnTo>
+                  <a:pt x="4822569" y="204077"/>
+                </a:lnTo>
+                <a:cubicBezTo>
+                  <a:pt x="5314007" y="799562"/>
+                  <a:pt x="5609220" y="1562987"/>
+                  <a:pt x="5609220" y="2395363"/>
+                </a:cubicBezTo>
+                <a:cubicBezTo>
+                  <a:pt x="5609220" y="4297937"/>
+                  <a:pt x="4066879" y="5840278"/>
+                  <a:pt x="2164305" y="5840278"/>
+                </a:cubicBezTo>
+                <a:cubicBezTo>
+                  <a:pt x="1450840" y="5840278"/>
+                  <a:pt x="788032" y="5623387"/>
+                  <a:pt x="238220" y="5251941"/>
+                </a:cubicBezTo>
+                <a:lnTo>
+                  <a:pt x="0" y="5073803"/>
+                </a:lnTo>
+                <a:close/>
+              </a:path>
+            </a:pathLst>
+          </a:custGeom>
+          <a:solidFill>
+            <a:srgbClr val="FFFFFF">
+              <a:alpha val="80000"/>
+            </a:srgbClr>
+          </a:solidFill>
+          <a:ln>
+            <a:noFill/>
+          </a:ln>
+        </p:spPr>
+        <p:style>
+          <a:lnRef idx="2">
+            <a:schemeClr val="accent1">
+              <a:shade val="50000"/>
+            </a:schemeClr>
+          </a:lnRef>
+          <a:fillRef idx="1">
+            <a:schemeClr val="accent1"/>
+          </a:fillRef>
+          <a:effectRef idx="0">
+            <a:schemeClr val="accent1"/>
+          </a:effectRef>
+          <a:fontRef idx="minor">
+            <a:schemeClr val="lt1"/>
+          </a:fontRef>
+        </p:style>
+        <p:txBody>
+          <a:bodyPr rtlCol="0" anchor="ctr"/>
+          <a:lstStyle/>
+          <a:p>
+            <a:pPr marL="0" marR="0" lvl="0" indent="0" algn="ctr" defTabSz="914400" rtl="0" eaLnBrk="1" fontAlgn="auto" latinLnBrk="0" hangingPunct="1">
+              <a:lnSpc>
+                <a:spcPct val="100000"/>
+              </a:lnSpc>
+              <a:spcBef>
+                <a:spcPts val="0"/>
+              </a:spcBef>
+              <a:spcAft>
+                <a:spcPts val="0"/>
+              </a:spcAft>
+              <a:buClrTx/>
+              <a:buSzTx/>
+              <a:buFontTx/>
+              <a:buNone/>
+              <a:tabLst/>
+              <a:defRPr/>
+            </a:pPr>
+            <a:endParaRPr kumimoji="0" lang="en-US" sz="1800" b="0" i="0" u="none" strike="noStrike" kern="1200" cap="none" spc="0" normalizeH="0" baseline="0" noProof="0">
+              <a:ln>
+                <a:noFill/>
+              </a:ln>
+              <a:solidFill>
+                <a:prstClr val="white"/>
+              </a:solidFill>
+              <a:effectLst/>
+              <a:uLnTx/>
+              <a:uFillTx/>
+              <a:latin typeface="Calibri" panose="020F0502020204030204"/>
+              <a:ea typeface="+mn-ea"/>
+              <a:cs typeface="+mn-cs"/>
+            </a:endParaRPr>
+          </a:p>
+        </p:txBody>
+      </p:sp>
+      <p:sp>
+        <p:nvSpPr>
+          <p:cNvPr id="14" name="Freeform: Shape 13">
+            <a:extLst>
+              <a:ext uri="{FF2B5EF4-FFF2-40B4-BE49-F238E27FC236}">
+                <a16:creationId xmlns:a16="http://schemas.microsoft.com/office/drawing/2014/main" id="{52AC6D7F-F068-4E11-BB06-F601D89BB980}"/>
+              </a:ext>
+              <a:ext uri="{C183D7F6-B498-43B3-948B-1728B52AA6E4}">
+                <adec:decorative xmlns:adec="http://schemas.microsoft.com/office/drawing/2017/decorative" val="1"/>
+              </a:ext>
+            </a:extLst>
+          </p:cNvPr>
+          <p:cNvSpPr>
+            <a:spLocks noGrp="1" noRot="1" noChangeAspect="1" noMove="1" noResize="1" noEditPoints="1" noAdjustHandles="1" noChangeArrowheads="1" noChangeShapeType="1" noTextEdit="1"/>
+          </p:cNvSpPr>
+          <p:nvPr>
+            <p:extLst>
+              <p:ext uri="{386F3935-93C4-4BCD-93E2-E3B085C9AB24}">
+                <p16:designElem xmlns:p16="http://schemas.microsoft.com/office/powerpoint/2015/main" val="1"/>
+              </p:ext>
+            </p:extLst>
+          </p:nvPr>
+        </p:nvSpPr>
+        <p:spPr>
+          <a:xfrm>
+            <a:off x="6750141" y="-2"/>
+            <a:ext cx="5441859" cy="5654940"/>
+          </a:xfrm>
+          <a:custGeom>
+            <a:avLst/>
+            <a:gdLst>
+              <a:gd name="connsiteX0" fmla="*/ 1041368 w 5441859"/>
+              <a:gd name="connsiteY0" fmla="*/ 0 h 5654940"/>
+              <a:gd name="connsiteX1" fmla="*/ 5441859 w 5441859"/>
+              <a:gd name="connsiteY1" fmla="*/ 0 h 5654940"/>
+              <a:gd name="connsiteX2" fmla="*/ 5441859 w 5441859"/>
+              <a:gd name="connsiteY2" fmla="*/ 4820612 h 5654940"/>
+              <a:gd name="connsiteX3" fmla="*/ 5285166 w 5441859"/>
+              <a:gd name="connsiteY3" fmla="*/ 4957981 h 5654940"/>
+              <a:gd name="connsiteX4" fmla="*/ 3267719 w 5441859"/>
+              <a:gd name="connsiteY4" fmla="*/ 5654940 h 5654940"/>
+              <a:gd name="connsiteX5" fmla="*/ 0 w 5441859"/>
+              <a:gd name="connsiteY5" fmla="*/ 2387221 h 5654940"/>
+              <a:gd name="connsiteX6" fmla="*/ 957093 w 5441859"/>
+              <a:gd name="connsiteY6" fmla="*/ 76595 h 5654940"/>
+            </a:gdLst>
+            <a:ahLst/>
+            <a:cxnLst>
+              <a:cxn ang="0">
+                <a:pos x="connsiteX0" y="connsiteY0"/>
+              </a:cxn>
+              <a:cxn ang="0">
+                <a:pos x="connsiteX1" y="connsiteY1"/>
+              </a:cxn>
+              <a:cxn ang="0">
+                <a:pos x="connsiteX2" y="connsiteY2"/>
+              </a:cxn>
+              <a:cxn ang="0">
+                <a:pos x="connsiteX3" y="connsiteY3"/>
+              </a:cxn>
+              <a:cxn ang="0">
+                <a:pos x="connsiteX4" y="connsiteY4"/>
+              </a:cxn>
+              <a:cxn ang="0">
+                <a:pos x="connsiteX5" y="connsiteY5"/>
+              </a:cxn>
+              <a:cxn ang="0">
+                <a:pos x="connsiteX6" y="connsiteY6"/>
+              </a:cxn>
+            </a:cxnLst>
+            <a:rect l="l" t="t" r="r" b="b"/>
+            <a:pathLst>
+              <a:path w="5441859" h="5654940">
+                <a:moveTo>
+                  <a:pt x="1041368" y="0"/>
+                </a:moveTo>
+                <a:lnTo>
+                  <a:pt x="5441859" y="0"/>
+                </a:lnTo>
+                <a:lnTo>
+                  <a:pt x="5441859" y="4820612"/>
+                </a:lnTo>
+                <a:lnTo>
+                  <a:pt x="5285166" y="4957981"/>
+                </a:lnTo>
+                <a:cubicBezTo>
+                  <a:pt x="4729628" y="5394557"/>
+                  <a:pt x="4029081" y="5654940"/>
+                  <a:pt x="3267719" y="5654940"/>
+                </a:cubicBezTo>
+                <a:cubicBezTo>
+                  <a:pt x="1463008" y="5654940"/>
+                  <a:pt x="0" y="4191932"/>
+                  <a:pt x="0" y="2387221"/>
+                </a:cubicBezTo>
+                <a:cubicBezTo>
+                  <a:pt x="0" y="1484866"/>
+                  <a:pt x="365752" y="667936"/>
+                  <a:pt x="957093" y="76595"/>
+                </a:cubicBezTo>
+                <a:close/>
+              </a:path>
+            </a:pathLst>
+          </a:custGeom>
+          <a:solidFill>
+            <a:schemeClr val="tx1"/>
+          </a:solidFill>
+          <a:ln>
+            <a:noFill/>
+          </a:ln>
+        </p:spPr>
+        <p:style>
+          <a:lnRef idx="2">
+            <a:schemeClr val="accent1">
+              <a:shade val="50000"/>
+            </a:schemeClr>
+          </a:lnRef>
+          <a:fillRef idx="1">
+            <a:schemeClr val="accent1"/>
+          </a:fillRef>
+          <a:effectRef idx="0">
+            <a:schemeClr val="accent1"/>
+          </a:effectRef>
+          <a:fontRef idx="minor">
+            <a:schemeClr val="lt1"/>
+          </a:fontRef>
+        </p:style>
+        <p:txBody>
+          <a:bodyPr rtlCol="0" anchor="ctr"/>
+          <a:lstStyle/>
+          <a:p>
+            <a:pPr marL="0" marR="0" lvl="0" indent="0" algn="ctr" defTabSz="914400" rtl="0" eaLnBrk="1" fontAlgn="auto" latinLnBrk="0" hangingPunct="1">
+              <a:lnSpc>
+                <a:spcPct val="100000"/>
+              </a:lnSpc>
+              <a:spcBef>
+                <a:spcPts val="0"/>
+              </a:spcBef>
+              <a:spcAft>
+                <a:spcPts val="0"/>
+              </a:spcAft>
+              <a:buClrTx/>
+              <a:buSzTx/>
+              <a:buFontTx/>
+              <a:buNone/>
+              <a:tabLst/>
+              <a:defRPr/>
+            </a:pPr>
+            <a:endParaRPr kumimoji="0" lang="en-US" sz="1800" b="0" i="0" u="none" strike="noStrike" kern="1200" cap="none" spc="0" normalizeH="0" baseline="0" noProof="0">
+              <a:ln>
+                <a:noFill/>
+              </a:ln>
+              <a:solidFill>
+                <a:prstClr val="white"/>
+              </a:solidFill>
+              <a:effectLst/>
+              <a:uLnTx/>
+              <a:uFillTx/>
+              <a:latin typeface="Calibri" panose="020F0502020204030204"/>
+              <a:ea typeface="+mn-ea"/>
+              <a:cs typeface="+mn-cs"/>
+            </a:endParaRPr>
+          </a:p>
+        </p:txBody>
+      </p:sp>
+      <p:pic>
+        <p:nvPicPr>
+          <p:cNvPr id="7" name="Content Placeholder 3">
+            <a:extLst>
+              <a:ext uri="{FF2B5EF4-FFF2-40B4-BE49-F238E27FC236}">
+                <a16:creationId xmlns:a16="http://schemas.microsoft.com/office/drawing/2014/main" id="{F9EF9F4C-9291-E441-96A7-573F78576084}"/>
+              </a:ext>
+            </a:extLst>
+          </p:cNvPr>
+          <p:cNvPicPr>
+            <a:picLocks noChangeAspect="1"/>
+          </p:cNvPicPr>
+          <p:nvPr/>
+        </p:nvPicPr>
+        <p:blipFill>
+          <a:blip r:embed="rId3"/>
+          <a:stretch>
+            <a:fillRect/>
+          </a:stretch>
+        </p:blipFill>
+        <p:spPr>
+          <a:xfrm>
+            <a:off x="7894331" y="1714448"/>
+            <a:ext cx="3796790" cy="1694995"/>
+          </a:xfrm>
+          <a:prstGeom prst="rect">
+            <a:avLst/>
+          </a:prstGeom>
+        </p:spPr>
+      </p:pic>
+      <p:sp>
+        <p:nvSpPr>
+          <p:cNvPr id="3" name="TextBox 2">
+            <a:extLst>
+              <a:ext uri="{FF2B5EF4-FFF2-40B4-BE49-F238E27FC236}">
+                <a16:creationId xmlns:a16="http://schemas.microsoft.com/office/drawing/2014/main" id="{8C1959A9-F6BB-0244-808C-2BFB60F2C0AA}"/>
+              </a:ext>
+            </a:extLst>
+          </p:cNvPr>
+          <p:cNvSpPr txBox="1"/>
+          <p:nvPr/>
+        </p:nvSpPr>
+        <p:spPr>
+          <a:xfrm>
+            <a:off x="3711989" y="1408512"/>
+            <a:ext cx="184731" cy="369332"/>
+          </a:xfrm>
+          <a:prstGeom prst="rect">
+            <a:avLst/>
+          </a:prstGeom>
+          <a:noFill/>
+        </p:spPr>
+        <p:txBody>
+          <a:bodyPr wrap="none" rtlCol="0">
+            <a:spAutoFit/>
+          </a:bodyPr>
+          <a:lstStyle/>
+          <a:p>
+            <a:endParaRPr lang="en-US" dirty="0"/>
+          </a:p>
+        </p:txBody>
+      </p:sp>
+      <p:pic>
+        <p:nvPicPr>
+          <p:cNvPr id="9" name="Content Placeholder 3">
+            <a:extLst>
+              <a:ext uri="{FF2B5EF4-FFF2-40B4-BE49-F238E27FC236}">
+                <a16:creationId xmlns:a16="http://schemas.microsoft.com/office/drawing/2014/main" id="{9DCEA46E-0384-CE44-9E22-FDA36F1F71FC}"/>
+              </a:ext>
+            </a:extLst>
+          </p:cNvPr>
+          <p:cNvPicPr>
+            <a:picLocks noChangeAspect="1"/>
+          </p:cNvPicPr>
+          <p:nvPr/>
+        </p:nvPicPr>
+        <p:blipFill>
+          <a:blip r:embed="rId3"/>
+          <a:stretch>
+            <a:fillRect/>
+          </a:stretch>
+        </p:blipFill>
+        <p:spPr>
+          <a:xfrm>
+            <a:off x="7894331" y="1735795"/>
+            <a:ext cx="3796790" cy="1694995"/>
+          </a:xfrm>
+          <a:prstGeom prst="rect">
+            <a:avLst/>
+          </a:prstGeom>
+        </p:spPr>
+      </p:pic>
+      <p:pic>
+        <p:nvPicPr>
+          <p:cNvPr id="10" name="Picture 9">
+            <a:extLst>
+              <a:ext uri="{FF2B5EF4-FFF2-40B4-BE49-F238E27FC236}">
+                <a16:creationId xmlns:a16="http://schemas.microsoft.com/office/drawing/2014/main" id="{9D42348F-158D-0745-AD71-EC0205A596ED}"/>
+              </a:ext>
+            </a:extLst>
+          </p:cNvPr>
+          <p:cNvPicPr>
+            <a:picLocks noChangeAspect="1"/>
+          </p:cNvPicPr>
+          <p:nvPr/>
+        </p:nvPicPr>
+        <p:blipFill>
+          <a:blip r:embed="rId4"/>
+          <a:stretch>
+            <a:fillRect/>
+          </a:stretch>
+        </p:blipFill>
+        <p:spPr>
+          <a:xfrm>
+            <a:off x="9149245" y="932437"/>
+            <a:ext cx="1286962" cy="868052"/>
+          </a:xfrm>
+          <a:prstGeom prst="rect">
+            <a:avLst/>
+          </a:prstGeom>
+        </p:spPr>
+      </p:pic>
+    </p:spTree>
+    <p:extLst>
+      <p:ext uri="{BB962C8B-B14F-4D97-AF65-F5344CB8AC3E}">
+        <p14:creationId xmlns:p14="http://schemas.microsoft.com/office/powerpoint/2010/main" val="3180752036"/>
+      </p:ext>
+    </p:extLst>
+  </p:cSld>
+  <p:clrMapOvr>
+    <a:overrideClrMapping bg1="dk1" tx1="lt1" bg2="dk2" tx2="lt2" accent1="accent1" accent2="accent2" accent3="accent3" accent4="accent4" accent5="accent5" accent6="accent6" hlink="hlink" folHlink="folHlink"/>
+  </p:clrMapOvr>
+  <mc:AlternateContent xmlns:mc="http://schemas.openxmlformats.org/markup-compatibility/2006">
+    <mc:Choice xmlns:p159="http://schemas.microsoft.com/office/powerpoint/2015/09/main" Requires="p159">
+      <p:transition xmlns:p14="http://schemas.microsoft.com/office/powerpoint/2010/main" spd="slow" p14:dur="2000">
+        <p159:morph option="byObject"/>
+      </p:transition>
+    </mc:Choice>
+    <mc:Fallback>
+      <p:transition spd="slow">
+        <p:fade/>
+      </p:transition>
+    </mc:Fallback>
+  </mc:AlternateContent>
 </p:sld>
 </file>
 
